--- a/UML Projet.pptx
+++ b/UML Projet.pptx
@@ -104,6 +104,11 @@
       </a:defRPr>
     </a:lvl9pPr>
   </p:defaultTextStyle>
+  <p:extLst>
+    <p:ext uri="{EFAFB233-063F-42B5-8137-9DF3F51BA10A}">
+      <p15:sldGuideLst xmlns:p15="http://schemas.microsoft.com/office/powerpoint/2012/main"/>
+    </p:ext>
+  </p:extLst>
 </p:presentation>
 </file>
 
@@ -3716,202 +3721,6 @@
           </a:graphicData>
         </a:graphic>
       </p:graphicFrame>
-      <p:graphicFrame>
-        <p:nvGraphicFramePr>
-          <p:cNvPr id="10" name="Tableau 4">
-            <a:extLst>
-              <a:ext uri="{FF2B5EF4-FFF2-40B4-BE49-F238E27FC236}">
-                <a16:creationId xmlns:a16="http://schemas.microsoft.com/office/drawing/2014/main" id="{3F512A6C-5906-44DD-BD32-5F19940E97DA}"/>
-              </a:ext>
-            </a:extLst>
-          </p:cNvPr>
-          <p:cNvGraphicFramePr>
-            <a:graphicFrameLocks noGrp="1"/>
-          </p:cNvGraphicFramePr>
-          <p:nvPr>
-            <p:extLst>
-              <p:ext uri="{D42A27DB-BD31-4B8C-83A1-F6EECF244321}">
-                <p14:modId xmlns:p14="http://schemas.microsoft.com/office/powerpoint/2010/main" val="3557388368"/>
-              </p:ext>
-            </p:extLst>
-          </p:nvPr>
-        </p:nvGraphicFramePr>
-        <p:xfrm>
-          <a:off x="7714447" y="3751917"/>
-          <a:ext cx="2760955" cy="2296160"/>
-        </p:xfrm>
-        <a:graphic>
-          <a:graphicData uri="http://schemas.openxmlformats.org/drawingml/2006/table">
-            <a:tbl>
-              <a:tblPr firstRow="1" bandRow="1">
-                <a:tableStyleId>{00A15C55-8517-42AA-B614-E9B94910E393}</a:tableStyleId>
-              </a:tblPr>
-              <a:tblGrid>
-                <a:gridCol w="2760955">
-                  <a:extLst>
-                    <a:ext uri="{9D8B030D-6E8A-4147-A177-3AD203B41FA5}">
-                      <a16:colId xmlns:a16="http://schemas.microsoft.com/office/drawing/2014/main" val="2574328837"/>
-                    </a:ext>
-                  </a:extLst>
-                </a:gridCol>
-              </a:tblGrid>
-              <a:tr h="370840">
-                <a:tc>
-                  <a:txBody>
-                    <a:bodyPr/>
-                    <a:lstStyle/>
-                    <a:p>
-                      <a:pPr algn="ctr"/>
-                      <a:r>
-                        <a:rPr lang="fr-FR" dirty="0"/>
-                        <a:t>Job </a:t>
-                      </a:r>
-                      <a:r>
-                        <a:rPr lang="fr-FR" dirty="0" err="1"/>
-                        <a:t>Seekers</a:t>
-                      </a:r>
-                      <a:r>
-                        <a:rPr lang="fr-FR" dirty="0"/>
-                        <a:t> </a:t>
-                      </a:r>
-                    </a:p>
-                  </a:txBody>
-                  <a:tcPr/>
-                </a:tc>
-                <a:extLst>
-                  <a:ext uri="{0D108BD9-81ED-4DB2-BD59-A6C34878D82A}">
-                    <a16:rowId xmlns:a16="http://schemas.microsoft.com/office/drawing/2014/main" val="1483763027"/>
-                  </a:ext>
-                </a:extLst>
-              </a:tr>
-              <a:tr h="370840">
-                <a:tc>
-                  <a:txBody>
-                    <a:bodyPr/>
-                    <a:lstStyle/>
-                    <a:p>
-                      <a:pPr marL="0" indent="0">
-                        <a:buFontTx/>
-                        <a:buNone/>
-                      </a:pPr>
-                      <a:r>
-                        <a:rPr lang="en-US" sz="1600" dirty="0"/>
-                        <a:t>- name : String </a:t>
-                      </a:r>
-                    </a:p>
-                    <a:p>
-                      <a:pPr marL="0" indent="0">
-                        <a:buFontTx/>
-                        <a:buNone/>
-                      </a:pPr>
-                      <a:r>
-                        <a:rPr lang="en-US" sz="1600" dirty="0"/>
-                        <a:t>- email : String  </a:t>
-                      </a:r>
-                    </a:p>
-                    <a:p>
-                      <a:pPr marL="0" indent="0">
-                        <a:buFontTx/>
-                        <a:buNone/>
-                      </a:pPr>
-                      <a:r>
-                        <a:rPr lang="en-US" sz="1600" dirty="0"/>
-                        <a:t>- phone : int </a:t>
-                      </a:r>
-                    </a:p>
-                    <a:p>
-                      <a:pPr marL="0" indent="0">
-                        <a:buFontTx/>
-                        <a:buNone/>
-                      </a:pPr>
-                      <a:r>
-                        <a:rPr lang="en-US" sz="1600" dirty="0"/>
-                        <a:t>- job : String </a:t>
-                      </a:r>
-                    </a:p>
-                    <a:p>
-                      <a:pPr marL="0" indent="0">
-                        <a:buFontTx/>
-                        <a:buNone/>
-                      </a:pPr>
-                      <a:r>
-                        <a:rPr lang="en-US" sz="1600" dirty="0"/>
-                        <a:t>- </a:t>
-                      </a:r>
-                      <a:r>
-                        <a:rPr lang="en-US" sz="1600" dirty="0" err="1"/>
-                        <a:t>startDate</a:t>
-                      </a:r>
-                      <a:r>
-                        <a:rPr lang="en-US" sz="1600" dirty="0"/>
-                        <a:t> : </a:t>
-                      </a:r>
-                      <a:r>
-                        <a:rPr lang="en-US" sz="1600" dirty="0" err="1"/>
-                        <a:t>DateTime</a:t>
-                      </a:r>
-                      <a:endParaRPr lang="en-US" sz="1600" dirty="0"/>
-                    </a:p>
-                    <a:p>
-                      <a:pPr marL="0" indent="0">
-                        <a:buFontTx/>
-                        <a:buNone/>
-                      </a:pPr>
-                      <a:r>
-                        <a:rPr lang="en-US" sz="1600" dirty="0"/>
-                        <a:t>- </a:t>
-                      </a:r>
-                      <a:r>
-                        <a:rPr lang="en-US" sz="1600" dirty="0" err="1"/>
-                        <a:t>currentstatus</a:t>
-                      </a:r>
-                      <a:r>
-                        <a:rPr lang="en-US" sz="1600" dirty="0"/>
-                        <a:t> : String</a:t>
-                      </a:r>
-                      <a:endParaRPr lang="fr-FR" sz="1600" dirty="0"/>
-                    </a:p>
-                  </a:txBody>
-                  <a:tcPr/>
-                </a:tc>
-                <a:extLst>
-                  <a:ext uri="{0D108BD9-81ED-4DB2-BD59-A6C34878D82A}">
-                    <a16:rowId xmlns:a16="http://schemas.microsoft.com/office/drawing/2014/main" val="2173152437"/>
-                  </a:ext>
-                </a:extLst>
-              </a:tr>
-              <a:tr h="370840">
-                <a:tc>
-                  <a:txBody>
-                    <a:bodyPr/>
-                    <a:lstStyle/>
-                    <a:p>
-                      <a:r>
-                        <a:rPr lang="fr-FR" sz="1600" dirty="0"/>
-                        <a:t>+ </a:t>
-                      </a:r>
-                      <a:r>
-                        <a:rPr lang="fr-FR" sz="1600" dirty="0" err="1"/>
-                        <a:t>toString</a:t>
-                      </a:r>
-                      <a:r>
-                        <a:rPr lang="fr-FR" sz="1600" dirty="0"/>
-                        <a:t> () : String</a:t>
-                      </a:r>
-                    </a:p>
-                  </a:txBody>
-                  <a:tcPr/>
-                </a:tc>
-                <a:extLst>
-                  <a:ext uri="{0D108BD9-81ED-4DB2-BD59-A6C34878D82A}">
-                    <a16:rowId xmlns:a16="http://schemas.microsoft.com/office/drawing/2014/main" val="4152509723"/>
-                  </a:ext>
-                </a:extLst>
-              </a:tr>
-            </a:tbl>
-          </a:graphicData>
-        </a:graphic>
-      </p:graphicFrame>
       <p:sp>
         <p:nvSpPr>
           <p:cNvPr id="13" name="Organigramme : Décision 12">
@@ -4004,45 +3813,6 @@
           </a:p>
         </p:txBody>
       </p:sp>
-      <p:cxnSp>
-        <p:nvCxnSpPr>
-          <p:cNvPr id="17" name="Connecteur droit 16">
-            <a:extLst>
-              <a:ext uri="{FF2B5EF4-FFF2-40B4-BE49-F238E27FC236}">
-                <a16:creationId xmlns:a16="http://schemas.microsoft.com/office/drawing/2014/main" id="{F51C143E-848E-46F7-83FA-753A00B6AECB}"/>
-              </a:ext>
-            </a:extLst>
-          </p:cNvPr>
-          <p:cNvCxnSpPr>
-            <a:stCxn id="13" idx="3"/>
-            <a:endCxn id="10" idx="0"/>
-          </p:cNvCxnSpPr>
-          <p:nvPr/>
-        </p:nvCxnSpPr>
-        <p:spPr>
-          <a:xfrm>
-            <a:off x="9094923" y="2766314"/>
-            <a:ext cx="1" cy="985603"/>
-          </a:xfrm>
-          <a:prstGeom prst="line">
-            <a:avLst/>
-          </a:prstGeom>
-        </p:spPr>
-        <p:style>
-          <a:lnRef idx="1">
-            <a:schemeClr val="accent1"/>
-          </a:lnRef>
-          <a:fillRef idx="0">
-            <a:schemeClr val="accent1"/>
-          </a:fillRef>
-          <a:effectRef idx="0">
-            <a:schemeClr val="accent1"/>
-          </a:effectRef>
-          <a:fontRef idx="minor">
-            <a:schemeClr val="tx1"/>
-          </a:fontRef>
-        </p:style>
-      </p:cxnSp>
       <p:cxnSp>
         <p:nvCxnSpPr>
           <p:cNvPr id="19" name="Connecteur droit 18">
@@ -4084,10 +3854,10 @@
       </p:cxnSp>
       <p:graphicFrame>
         <p:nvGraphicFramePr>
-          <p:cNvPr id="24" name="Tableau 4">
-            <a:extLst>
-              <a:ext uri="{FF2B5EF4-FFF2-40B4-BE49-F238E27FC236}">
-                <a16:creationId xmlns:a16="http://schemas.microsoft.com/office/drawing/2014/main" id="{2BF9FDB3-B265-487E-B8B0-A8FE7D450674}"/>
+          <p:cNvPr id="2" name="Tableau 4">
+            <a:extLst>
+              <a:ext uri="{FF2B5EF4-FFF2-40B4-BE49-F238E27FC236}">
+                <a16:creationId xmlns:a16="http://schemas.microsoft.com/office/drawing/2014/main" id="{BD3B806A-D126-4277-BCAE-CBF693918283}"/>
               </a:ext>
             </a:extLst>
           </p:cNvPr>
@@ -4097,13 +3867,241 @@
           <p:nvPr>
             <p:extLst>
               <p:ext uri="{D42A27DB-BD31-4B8C-83A1-F6EECF244321}">
-                <p14:modId xmlns:p14="http://schemas.microsoft.com/office/powerpoint/2010/main" val="3815949836"/>
+                <p14:modId xmlns:p14="http://schemas.microsoft.com/office/powerpoint/2010/main" val="1291327261"/>
               </p:ext>
             </p:extLst>
           </p:nvPr>
         </p:nvGraphicFramePr>
         <p:xfrm>
-          <a:off x="2051974" y="3586487"/>
+          <a:off x="7704812" y="2991515"/>
+          <a:ext cx="2760955" cy="2296160"/>
+        </p:xfrm>
+        <a:graphic>
+          <a:graphicData uri="http://schemas.openxmlformats.org/drawingml/2006/table">
+            <a:tbl>
+              <a:tblPr firstRow="1" bandRow="1">
+                <a:tableStyleId>{00A15C55-8517-42AA-B614-E9B94910E393}</a:tableStyleId>
+              </a:tblPr>
+              <a:tblGrid>
+                <a:gridCol w="2760955">
+                  <a:extLst>
+                    <a:ext uri="{9D8B030D-6E8A-4147-A177-3AD203B41FA5}">
+                      <a16:colId xmlns:a16="http://schemas.microsoft.com/office/drawing/2014/main" val="2574328837"/>
+                    </a:ext>
+                  </a:extLst>
+                </a:gridCol>
+              </a:tblGrid>
+              <a:tr h="370840">
+                <a:tc>
+                  <a:txBody>
+                    <a:bodyPr/>
+                    <a:lstStyle/>
+                    <a:p>
+                      <a:pPr algn="ctr"/>
+                      <a:r>
+                        <a:rPr lang="fr-FR"/>
+                        <a:t>« Abstract » Role</a:t>
+                      </a:r>
+                      <a:endParaRPr lang="fr-FR" dirty="0"/>
+                    </a:p>
+                  </a:txBody>
+                  <a:tcPr/>
+                </a:tc>
+                <a:extLst>
+                  <a:ext uri="{0D108BD9-81ED-4DB2-BD59-A6C34878D82A}">
+                    <a16:rowId xmlns:a16="http://schemas.microsoft.com/office/drawing/2014/main" val="1483763027"/>
+                  </a:ext>
+                </a:extLst>
+              </a:tr>
+              <a:tr h="370840">
+                <a:tc>
+                  <a:txBody>
+                    <a:bodyPr/>
+                    <a:lstStyle/>
+                    <a:p>
+                      <a:pPr marL="0" indent="0">
+                        <a:buFontTx/>
+                        <a:buNone/>
+                      </a:pPr>
+                      <a:r>
+                        <a:rPr lang="en-US" sz="1600" dirty="0"/>
+                        <a:t>- name : String </a:t>
+                      </a:r>
+                    </a:p>
+                    <a:p>
+                      <a:pPr marL="0" indent="0">
+                        <a:buFontTx/>
+                        <a:buNone/>
+                      </a:pPr>
+                      <a:r>
+                        <a:rPr lang="en-US" sz="1600" dirty="0"/>
+                        <a:t>- email : String  </a:t>
+                      </a:r>
+                    </a:p>
+                    <a:p>
+                      <a:pPr marL="0" indent="0">
+                        <a:buFontTx/>
+                        <a:buNone/>
+                      </a:pPr>
+                      <a:r>
+                        <a:rPr lang="en-US" sz="1600" dirty="0"/>
+                        <a:t>- phone : int </a:t>
+                      </a:r>
+                    </a:p>
+                    <a:p>
+                      <a:pPr marL="0" indent="0">
+                        <a:buFontTx/>
+                        <a:buNone/>
+                      </a:pPr>
+                      <a:r>
+                        <a:rPr lang="en-US" sz="1600" dirty="0"/>
+                        <a:t>- job : String </a:t>
+                      </a:r>
+                    </a:p>
+                    <a:p>
+                      <a:pPr marL="0" indent="0">
+                        <a:buFontTx/>
+                        <a:buNone/>
+                      </a:pPr>
+                      <a:r>
+                        <a:rPr lang="en-US" sz="1600" dirty="0"/>
+                        <a:t>- </a:t>
+                      </a:r>
+                      <a:r>
+                        <a:rPr lang="en-US" sz="1600" dirty="0" err="1"/>
+                        <a:t>startDate</a:t>
+                      </a:r>
+                      <a:r>
+                        <a:rPr lang="en-US" sz="1600" dirty="0"/>
+                        <a:t> : </a:t>
+                      </a:r>
+                      <a:r>
+                        <a:rPr lang="en-US" sz="1600" dirty="0" err="1"/>
+                        <a:t>DateTime</a:t>
+                      </a:r>
+                      <a:endParaRPr lang="en-US" sz="1600" dirty="0"/>
+                    </a:p>
+                    <a:p>
+                      <a:pPr marL="0" indent="0">
+                        <a:buFontTx/>
+                        <a:buNone/>
+                      </a:pPr>
+                      <a:r>
+                        <a:rPr lang="en-US" sz="1600" dirty="0"/>
+                        <a:t>- </a:t>
+                      </a:r>
+                      <a:r>
+                        <a:rPr lang="en-US" sz="1600" dirty="0" err="1"/>
+                        <a:t>currentstatus</a:t>
+                      </a:r>
+                      <a:r>
+                        <a:rPr lang="en-US" sz="1600" dirty="0"/>
+                        <a:t> : String</a:t>
+                      </a:r>
+                      <a:endParaRPr lang="fr-FR" sz="1600" dirty="0"/>
+                    </a:p>
+                  </a:txBody>
+                  <a:tcPr/>
+                </a:tc>
+                <a:extLst>
+                  <a:ext uri="{0D108BD9-81ED-4DB2-BD59-A6C34878D82A}">
+                    <a16:rowId xmlns:a16="http://schemas.microsoft.com/office/drawing/2014/main" val="2173152437"/>
+                  </a:ext>
+                </a:extLst>
+              </a:tr>
+              <a:tr h="370840">
+                <a:tc>
+                  <a:txBody>
+                    <a:bodyPr/>
+                    <a:lstStyle/>
+                    <a:p>
+                      <a:r>
+                        <a:rPr lang="fr-FR" sz="1600" dirty="0"/>
+                        <a:t>+ </a:t>
+                      </a:r>
+                      <a:r>
+                        <a:rPr lang="fr-FR" sz="1600" dirty="0" err="1"/>
+                        <a:t>toString</a:t>
+                      </a:r>
+                      <a:r>
+                        <a:rPr lang="fr-FR" sz="1600" dirty="0"/>
+                        <a:t> () : String</a:t>
+                      </a:r>
+                    </a:p>
+                  </a:txBody>
+                  <a:tcPr/>
+                </a:tc>
+                <a:extLst>
+                  <a:ext uri="{0D108BD9-81ED-4DB2-BD59-A6C34878D82A}">
+                    <a16:rowId xmlns:a16="http://schemas.microsoft.com/office/drawing/2014/main" val="4152509723"/>
+                  </a:ext>
+                </a:extLst>
+              </a:tr>
+            </a:tbl>
+          </a:graphicData>
+        </a:graphic>
+      </p:graphicFrame>
+      <p:cxnSp>
+        <p:nvCxnSpPr>
+          <p:cNvPr id="28" name="Connecteur droit 27">
+            <a:extLst>
+              <a:ext uri="{FF2B5EF4-FFF2-40B4-BE49-F238E27FC236}">
+                <a16:creationId xmlns:a16="http://schemas.microsoft.com/office/drawing/2014/main" id="{2EC0BE8D-850C-4FBF-9353-DBC8DAD7C486}"/>
+              </a:ext>
+            </a:extLst>
+          </p:cNvPr>
+          <p:cNvCxnSpPr>
+            <a:stCxn id="13" idx="3"/>
+            <a:endCxn id="2" idx="0"/>
+          </p:cNvCxnSpPr>
+          <p:nvPr/>
+        </p:nvCxnSpPr>
+        <p:spPr>
+          <a:xfrm flipH="1">
+            <a:off x="9085289" y="2766314"/>
+            <a:ext cx="9634" cy="225201"/>
+          </a:xfrm>
+          <a:prstGeom prst="line">
+            <a:avLst/>
+          </a:prstGeom>
+        </p:spPr>
+        <p:style>
+          <a:lnRef idx="1">
+            <a:schemeClr val="accent1"/>
+          </a:lnRef>
+          <a:fillRef idx="0">
+            <a:schemeClr val="accent1"/>
+          </a:fillRef>
+          <a:effectRef idx="0">
+            <a:schemeClr val="accent1"/>
+          </a:effectRef>
+          <a:fontRef idx="minor">
+            <a:schemeClr val="tx1"/>
+          </a:fontRef>
+        </p:style>
+      </p:cxnSp>
+      <p:graphicFrame>
+        <p:nvGraphicFramePr>
+          <p:cNvPr id="30" name="Tableau 4">
+            <a:extLst>
+              <a:ext uri="{FF2B5EF4-FFF2-40B4-BE49-F238E27FC236}">
+                <a16:creationId xmlns:a16="http://schemas.microsoft.com/office/drawing/2014/main" id="{DA57711C-FD38-4A93-A562-EFEBC726A511}"/>
+              </a:ext>
+            </a:extLst>
+          </p:cNvPr>
+          <p:cNvGraphicFramePr>
+            <a:graphicFrameLocks noGrp="1"/>
+          </p:cNvGraphicFramePr>
+          <p:nvPr>
+            <p:extLst>
+              <p:ext uri="{D42A27DB-BD31-4B8C-83A1-F6EECF244321}">
+                <p14:modId xmlns:p14="http://schemas.microsoft.com/office/powerpoint/2010/main" val="3576415660"/>
+              </p:ext>
+            </p:extLst>
+          </p:nvPr>
+        </p:nvGraphicFramePr>
+        <p:xfrm>
+          <a:off x="901577" y="5512876"/>
           <a:ext cx="2760955" cy="1112520"/>
         </p:xfrm>
         <a:graphic>
@@ -4129,9 +4127,127 @@
                     <a:p>
                       <a:pPr algn="ctr"/>
                       <a:r>
-                        <a:rPr lang="fr-FR" dirty="0"/>
-                        <a:t>Employer</a:t>
-                      </a:r>
+                        <a:rPr lang="fr-FR" dirty="0" err="1"/>
+                        <a:t>NewEmployer</a:t>
+                      </a:r>
+                      <a:endParaRPr lang="fr-FR" dirty="0"/>
+                    </a:p>
+                  </a:txBody>
+                  <a:tcPr/>
+                </a:tc>
+                <a:extLst>
+                  <a:ext uri="{0D108BD9-81ED-4DB2-BD59-A6C34878D82A}">
+                    <a16:rowId xmlns:a16="http://schemas.microsoft.com/office/drawing/2014/main" val="1483763027"/>
+                  </a:ext>
+                </a:extLst>
+              </a:tr>
+              <a:tr h="370840">
+                <a:tc>
+                  <a:txBody>
+                    <a:bodyPr/>
+                    <a:lstStyle/>
+                    <a:p>
+                      <a:pPr marL="0" indent="0">
+                        <a:buFontTx/>
+                        <a:buNone/>
+                      </a:pPr>
+                      <a:r>
+                        <a:rPr lang="fr-FR" sz="1600" dirty="0"/>
+                        <a:t>+type : String</a:t>
+                      </a:r>
+                    </a:p>
+                  </a:txBody>
+                  <a:tcPr/>
+                </a:tc>
+                <a:extLst>
+                  <a:ext uri="{0D108BD9-81ED-4DB2-BD59-A6C34878D82A}">
+                    <a16:rowId xmlns:a16="http://schemas.microsoft.com/office/drawing/2014/main" val="2173152437"/>
+                  </a:ext>
+                </a:extLst>
+              </a:tr>
+              <a:tr h="370840">
+                <a:tc>
+                  <a:txBody>
+                    <a:bodyPr/>
+                    <a:lstStyle/>
+                    <a:p>
+                      <a:r>
+                        <a:rPr lang="fr-FR" sz="1600" dirty="0"/>
+                        <a:t>+ </a:t>
+                      </a:r>
+                      <a:r>
+                        <a:rPr lang="fr-FR" sz="1600" dirty="0" err="1"/>
+                        <a:t>toString</a:t>
+                      </a:r>
+                      <a:r>
+                        <a:rPr lang="fr-FR" sz="1600" dirty="0"/>
+                        <a:t> () : String</a:t>
+                      </a:r>
+                    </a:p>
+                  </a:txBody>
+                  <a:tcPr/>
+                </a:tc>
+                <a:extLst>
+                  <a:ext uri="{0D108BD9-81ED-4DB2-BD59-A6C34878D82A}">
+                    <a16:rowId xmlns:a16="http://schemas.microsoft.com/office/drawing/2014/main" val="4152509723"/>
+                  </a:ext>
+                </a:extLst>
+              </a:tr>
+            </a:tbl>
+          </a:graphicData>
+        </a:graphic>
+      </p:graphicFrame>
+      <p:graphicFrame>
+        <p:nvGraphicFramePr>
+          <p:cNvPr id="32" name="Tableau 4">
+            <a:extLst>
+              <a:ext uri="{FF2B5EF4-FFF2-40B4-BE49-F238E27FC236}">
+                <a16:creationId xmlns:a16="http://schemas.microsoft.com/office/drawing/2014/main" id="{B447D903-9160-4D00-A843-35A48B26CFDC}"/>
+              </a:ext>
+            </a:extLst>
+          </p:cNvPr>
+          <p:cNvGraphicFramePr>
+            <a:graphicFrameLocks noGrp="1"/>
+          </p:cNvGraphicFramePr>
+          <p:nvPr>
+            <p:extLst>
+              <p:ext uri="{D42A27DB-BD31-4B8C-83A1-F6EECF244321}">
+                <p14:modId xmlns:p14="http://schemas.microsoft.com/office/powerpoint/2010/main" val="3286727207"/>
+              </p:ext>
+            </p:extLst>
+          </p:nvPr>
+        </p:nvGraphicFramePr>
+        <p:xfrm>
+          <a:off x="4715522" y="5512876"/>
+          <a:ext cx="2760955" cy="1112520"/>
+        </p:xfrm>
+        <a:graphic>
+          <a:graphicData uri="http://schemas.openxmlformats.org/drawingml/2006/table">
+            <a:tbl>
+              <a:tblPr firstRow="1" bandRow="1">
+                <a:tableStyleId>{00A15C55-8517-42AA-B614-E9B94910E393}</a:tableStyleId>
+              </a:tblPr>
+              <a:tblGrid>
+                <a:gridCol w="2760955">
+                  <a:extLst>
+                    <a:ext uri="{9D8B030D-6E8A-4147-A177-3AD203B41FA5}">
+                      <a16:colId xmlns:a16="http://schemas.microsoft.com/office/drawing/2014/main" val="2574328837"/>
+                    </a:ext>
+                  </a:extLst>
+                </a:gridCol>
+              </a:tblGrid>
+              <a:tr h="370840">
+                <a:tc>
+                  <a:txBody>
+                    <a:bodyPr/>
+                    <a:lstStyle/>
+                    <a:p>
+                      <a:pPr algn="ctr"/>
+                      <a:r>
+                        <a:rPr lang="fr-FR" dirty="0" err="1"/>
+                        <a:t>MemberEmployer</a:t>
+                      </a:r>
+                      <a:endParaRPr lang="fr-FR" dirty="0"/>
                     </a:p>
                   </a:txBody>
                   <a:tcPr/>
@@ -4167,23 +4283,7 @@
                       </a:pPr>
                       <a:r>
                         <a:rPr lang="fr-FR" sz="1600" dirty="0"/>
-                        <a:t>- </a:t>
-                      </a:r>
-                      <a:r>
-                        <a:rPr lang="fr-FR" sz="1600" dirty="0" err="1"/>
-                        <a:t>listJob</a:t>
-                      </a:r>
-                      <a:r>
-                        <a:rPr lang="fr-FR" sz="1600" dirty="0"/>
-                        <a:t> : </a:t>
-                      </a:r>
-                      <a:r>
-                        <a:rPr lang="fr-FR" sz="1600" dirty="0" err="1"/>
-                        <a:t>ArrayList</a:t>
-                      </a:r>
-                      <a:r>
-                        <a:rPr lang="fr-FR" sz="1600" dirty="0"/>
-                        <a:t> &lt;Job&gt;</a:t>
+                        <a:t>+type : String</a:t>
                       </a:r>
                     </a:p>
                   </a:txBody>
@@ -4201,7 +4301,18 @@
                     <a:bodyPr/>
                     <a:lstStyle/>
                     <a:p>
-                      <a:endParaRPr lang="fr-FR" sz="1600" dirty="0"/>
+                      <a:r>
+                        <a:rPr lang="fr-FR" sz="1600" dirty="0"/>
+                        <a:t>+ </a:t>
+                      </a:r>
+                      <a:r>
+                        <a:rPr lang="fr-FR" sz="1600" dirty="0" err="1"/>
+                        <a:t>toString</a:t>
+                      </a:r>
+                      <a:r>
+                        <a:rPr lang="fr-FR" sz="1600" dirty="0"/>
+                        <a:t> () : String</a:t>
+                      </a:r>
                     </a:p>
                   </a:txBody>
                   <a:tcPr/>
@@ -4216,6 +4327,259 @@
           </a:graphicData>
         </a:graphic>
       </p:graphicFrame>
+      <p:graphicFrame>
+        <p:nvGraphicFramePr>
+          <p:cNvPr id="34" name="Tableau 4">
+            <a:extLst>
+              <a:ext uri="{FF2B5EF4-FFF2-40B4-BE49-F238E27FC236}">
+                <a16:creationId xmlns:a16="http://schemas.microsoft.com/office/drawing/2014/main" id="{DBA7E2A8-66AC-491F-9917-886F02EC69D9}"/>
+              </a:ext>
+            </a:extLst>
+          </p:cNvPr>
+          <p:cNvGraphicFramePr>
+            <a:graphicFrameLocks noGrp="1"/>
+          </p:cNvGraphicFramePr>
+          <p:nvPr>
+            <p:extLst>
+              <p:ext uri="{D42A27DB-BD31-4B8C-83A1-F6EECF244321}">
+                <p14:modId xmlns:p14="http://schemas.microsoft.com/office/powerpoint/2010/main" val="1225553466"/>
+              </p:ext>
+            </p:extLst>
+          </p:nvPr>
+        </p:nvGraphicFramePr>
+        <p:xfrm>
+          <a:off x="8687145" y="5512876"/>
+          <a:ext cx="2760955" cy="1112520"/>
+        </p:xfrm>
+        <a:graphic>
+          <a:graphicData uri="http://schemas.openxmlformats.org/drawingml/2006/table">
+            <a:tbl>
+              <a:tblPr firstRow="1" bandRow="1">
+                <a:tableStyleId>{00A15C55-8517-42AA-B614-E9B94910E393}</a:tableStyleId>
+              </a:tblPr>
+              <a:tblGrid>
+                <a:gridCol w="2760955">
+                  <a:extLst>
+                    <a:ext uri="{9D8B030D-6E8A-4147-A177-3AD203B41FA5}">
+                      <a16:colId xmlns:a16="http://schemas.microsoft.com/office/drawing/2014/main" val="2574328837"/>
+                    </a:ext>
+                  </a:extLst>
+                </a:gridCol>
+              </a:tblGrid>
+              <a:tr h="370840">
+                <a:tc>
+                  <a:txBody>
+                    <a:bodyPr/>
+                    <a:lstStyle/>
+                    <a:p>
+                      <a:pPr algn="ctr"/>
+                      <a:r>
+                        <a:rPr lang="fr-FR" dirty="0" err="1"/>
+                        <a:t>JobSeeker</a:t>
+                      </a:r>
+                      <a:endParaRPr lang="fr-FR" dirty="0"/>
+                    </a:p>
+                  </a:txBody>
+                  <a:tcPr/>
+                </a:tc>
+                <a:extLst>
+                  <a:ext uri="{0D108BD9-81ED-4DB2-BD59-A6C34878D82A}">
+                    <a16:rowId xmlns:a16="http://schemas.microsoft.com/office/drawing/2014/main" val="1483763027"/>
+                  </a:ext>
+                </a:extLst>
+              </a:tr>
+              <a:tr h="370840">
+                <a:tc>
+                  <a:txBody>
+                    <a:bodyPr/>
+                    <a:lstStyle/>
+                    <a:p>
+                      <a:pPr marL="0" marR="0" lvl="0" indent="0" algn="l" defTabSz="914400" rtl="0" eaLnBrk="1" fontAlgn="auto" latinLnBrk="0" hangingPunct="1">
+                        <a:lnSpc>
+                          <a:spcPct val="100000"/>
+                        </a:lnSpc>
+                        <a:spcBef>
+                          <a:spcPts val="0"/>
+                        </a:spcBef>
+                        <a:spcAft>
+                          <a:spcPts val="0"/>
+                        </a:spcAft>
+                        <a:buClrTx/>
+                        <a:buSzTx/>
+                        <a:buFontTx/>
+                        <a:buNone/>
+                        <a:tabLst/>
+                        <a:defRPr/>
+                      </a:pPr>
+                      <a:r>
+                        <a:rPr lang="fr-FR" sz="1600" dirty="0"/>
+                        <a:t>+type : String</a:t>
+                      </a:r>
+                    </a:p>
+                  </a:txBody>
+                  <a:tcPr/>
+                </a:tc>
+                <a:extLst>
+                  <a:ext uri="{0D108BD9-81ED-4DB2-BD59-A6C34878D82A}">
+                    <a16:rowId xmlns:a16="http://schemas.microsoft.com/office/drawing/2014/main" val="2173152437"/>
+                  </a:ext>
+                </a:extLst>
+              </a:tr>
+              <a:tr h="370840">
+                <a:tc>
+                  <a:txBody>
+                    <a:bodyPr/>
+                    <a:lstStyle/>
+                    <a:p>
+                      <a:r>
+                        <a:rPr lang="fr-FR" sz="1600" dirty="0"/>
+                        <a:t>+ </a:t>
+                      </a:r>
+                      <a:r>
+                        <a:rPr lang="fr-FR" sz="1600" dirty="0" err="1"/>
+                        <a:t>toString</a:t>
+                      </a:r>
+                      <a:r>
+                        <a:rPr lang="fr-FR" sz="1600" dirty="0"/>
+                        <a:t> () : String</a:t>
+                      </a:r>
+                    </a:p>
+                  </a:txBody>
+                  <a:tcPr/>
+                </a:tc>
+                <a:extLst>
+                  <a:ext uri="{0D108BD9-81ED-4DB2-BD59-A6C34878D82A}">
+                    <a16:rowId xmlns:a16="http://schemas.microsoft.com/office/drawing/2014/main" val="4152509723"/>
+                  </a:ext>
+                </a:extLst>
+              </a:tr>
+            </a:tbl>
+          </a:graphicData>
+        </a:graphic>
+      </p:graphicFrame>
+      <p:cxnSp>
+        <p:nvCxnSpPr>
+          <p:cNvPr id="37" name="Connecteur droit avec flèche 36">
+            <a:extLst>
+              <a:ext uri="{FF2B5EF4-FFF2-40B4-BE49-F238E27FC236}">
+                <a16:creationId xmlns:a16="http://schemas.microsoft.com/office/drawing/2014/main" id="{775479FA-1B3C-4478-8603-D4529EE3AC5A}"/>
+              </a:ext>
+            </a:extLst>
+          </p:cNvPr>
+          <p:cNvCxnSpPr>
+            <a:endCxn id="2" idx="2"/>
+          </p:cNvCxnSpPr>
+          <p:nvPr/>
+        </p:nvCxnSpPr>
+        <p:spPr>
+          <a:xfrm flipV="1">
+            <a:off x="2281287" y="5287675"/>
+            <a:ext cx="6804002" cy="225201"/>
+          </a:xfrm>
+          <a:prstGeom prst="straightConnector1">
+            <a:avLst/>
+          </a:prstGeom>
+          <a:ln>
+            <a:tailEnd type="triangle"/>
+          </a:ln>
+        </p:spPr>
+        <p:style>
+          <a:lnRef idx="1">
+            <a:schemeClr val="accent1"/>
+          </a:lnRef>
+          <a:fillRef idx="0">
+            <a:schemeClr val="accent1"/>
+          </a:fillRef>
+          <a:effectRef idx="0">
+            <a:schemeClr val="accent1"/>
+          </a:effectRef>
+          <a:fontRef idx="minor">
+            <a:schemeClr val="tx1"/>
+          </a:fontRef>
+        </p:style>
+      </p:cxnSp>
+      <p:cxnSp>
+        <p:nvCxnSpPr>
+          <p:cNvPr id="39" name="Connecteur droit avec flèche 38">
+            <a:extLst>
+              <a:ext uri="{FF2B5EF4-FFF2-40B4-BE49-F238E27FC236}">
+                <a16:creationId xmlns:a16="http://schemas.microsoft.com/office/drawing/2014/main" id="{306C0A05-C99A-4523-A594-4166706C3050}"/>
+              </a:ext>
+            </a:extLst>
+          </p:cNvPr>
+          <p:cNvCxnSpPr>
+            <a:endCxn id="2" idx="2"/>
+          </p:cNvCxnSpPr>
+          <p:nvPr/>
+        </p:nvCxnSpPr>
+        <p:spPr>
+          <a:xfrm flipV="1">
+            <a:off x="6095999" y="5287675"/>
+            <a:ext cx="2989290" cy="225201"/>
+          </a:xfrm>
+          <a:prstGeom prst="straightConnector1">
+            <a:avLst/>
+          </a:prstGeom>
+          <a:ln>
+            <a:tailEnd type="triangle"/>
+          </a:ln>
+        </p:spPr>
+        <p:style>
+          <a:lnRef idx="1">
+            <a:schemeClr val="accent1"/>
+          </a:lnRef>
+          <a:fillRef idx="0">
+            <a:schemeClr val="accent1"/>
+          </a:fillRef>
+          <a:effectRef idx="0">
+            <a:schemeClr val="accent1"/>
+          </a:effectRef>
+          <a:fontRef idx="minor">
+            <a:schemeClr val="tx1"/>
+          </a:fontRef>
+        </p:style>
+      </p:cxnSp>
+      <p:cxnSp>
+        <p:nvCxnSpPr>
+          <p:cNvPr id="41" name="Connecteur droit avec flèche 40">
+            <a:extLst>
+              <a:ext uri="{FF2B5EF4-FFF2-40B4-BE49-F238E27FC236}">
+                <a16:creationId xmlns:a16="http://schemas.microsoft.com/office/drawing/2014/main" id="{FC682B15-8148-47F2-8E9E-0B4C543DB837}"/>
+              </a:ext>
+            </a:extLst>
+          </p:cNvPr>
+          <p:cNvCxnSpPr>
+            <a:endCxn id="2" idx="2"/>
+          </p:cNvCxnSpPr>
+          <p:nvPr/>
+        </p:nvCxnSpPr>
+        <p:spPr>
+          <a:xfrm flipH="1" flipV="1">
+            <a:off x="9085289" y="5287675"/>
+            <a:ext cx="1210668" cy="225201"/>
+          </a:xfrm>
+          <a:prstGeom prst="straightConnector1">
+            <a:avLst/>
+          </a:prstGeom>
+          <a:ln>
+            <a:tailEnd type="triangle"/>
+          </a:ln>
+        </p:spPr>
+        <p:style>
+          <a:lnRef idx="1">
+            <a:schemeClr val="accent1"/>
+          </a:lnRef>
+          <a:fillRef idx="0">
+            <a:schemeClr val="accent1"/>
+          </a:fillRef>
+          <a:effectRef idx="0">
+            <a:schemeClr val="accent1"/>
+          </a:effectRef>
+          <a:fontRef idx="minor">
+            <a:schemeClr val="tx1"/>
+          </a:fontRef>
+        </p:style>
+      </p:cxnSp>
     </p:spTree>
     <p:extLst>
       <p:ext uri="{BB962C8B-B14F-4D97-AF65-F5344CB8AC3E}">
